--- a/Applied Data Science - 07 Machine Learning in Python.pptx
+++ b/Applied Data Science - 07 Machine Learning in Python.pptx
@@ -5,7 +5,7 @@
     <p:sldMasterId id="2147483833" r:id="rId1"/>
   </p:sldMasterIdLst>
   <p:notesMasterIdLst>
-    <p:notesMasterId r:id="rId35"/>
+    <p:notesMasterId r:id="rId37"/>
   </p:notesMasterIdLst>
   <p:sldIdLst>
     <p:sldId id="256" r:id="rId2"/>
@@ -25,22 +25,24 @@
     <p:sldId id="303" r:id="rId16"/>
     <p:sldId id="313" r:id="rId17"/>
     <p:sldId id="311" r:id="rId18"/>
-    <p:sldId id="314" r:id="rId19"/>
-    <p:sldId id="325" r:id="rId20"/>
-    <p:sldId id="306" r:id="rId21"/>
-    <p:sldId id="315" r:id="rId22"/>
-    <p:sldId id="310" r:id="rId23"/>
-    <p:sldId id="307" r:id="rId24"/>
-    <p:sldId id="308" r:id="rId25"/>
-    <p:sldId id="324" r:id="rId26"/>
-    <p:sldId id="316" r:id="rId27"/>
-    <p:sldId id="318" r:id="rId28"/>
-    <p:sldId id="319" r:id="rId29"/>
-    <p:sldId id="320" r:id="rId30"/>
-    <p:sldId id="322" r:id="rId31"/>
-    <p:sldId id="328" r:id="rId32"/>
-    <p:sldId id="329" r:id="rId33"/>
-    <p:sldId id="321" r:id="rId34"/>
+    <p:sldId id="331" r:id="rId19"/>
+    <p:sldId id="332" r:id="rId20"/>
+    <p:sldId id="330" r:id="rId21"/>
+    <p:sldId id="306" r:id="rId22"/>
+    <p:sldId id="314" r:id="rId23"/>
+    <p:sldId id="315" r:id="rId24"/>
+    <p:sldId id="310" r:id="rId25"/>
+    <p:sldId id="307" r:id="rId26"/>
+    <p:sldId id="308" r:id="rId27"/>
+    <p:sldId id="324" r:id="rId28"/>
+    <p:sldId id="316" r:id="rId29"/>
+    <p:sldId id="318" r:id="rId30"/>
+    <p:sldId id="319" r:id="rId31"/>
+    <p:sldId id="320" r:id="rId32"/>
+    <p:sldId id="322" r:id="rId33"/>
+    <p:sldId id="328" r:id="rId34"/>
+    <p:sldId id="329" r:id="rId35"/>
+    <p:sldId id="321" r:id="rId36"/>
   </p:sldIdLst>
   <p:sldSz cx="12192000" cy="6858000"/>
   <p:notesSz cx="6858000" cy="9144000"/>
@@ -229,7 +231,7 @@
           <a:p>
             <a:fld id="{F1D2C95C-E6C5-47EE-A945-EBB416EE6C3F}" type="datetimeFigureOut">
               <a:rPr lang="en-US" smtClean="0"/>
-              <a:t>5/10/2017</a:t>
+              <a:t>5/16/2017</a:t>
             </a:fld>
             <a:endParaRPr lang="en-US"/>
           </a:p>
@@ -828,7 +830,7 @@
                 <a:latin typeface="Calibri" panose="020F0502020204030204" pitchFamily="34" charset="0"/>
               </a:rPr>
               <a:pPr eaLnBrk="1" hangingPunct="1"/>
-              <a:t>26</a:t>
+              <a:t>28</a:t>
             </a:fld>
             <a:endParaRPr lang="en-US">
               <a:solidFill>
@@ -1077,7 +1079,7 @@
                 <a:latin typeface="Calibri" panose="020F0502020204030204" pitchFamily="34" charset="0"/>
               </a:rPr>
               <a:pPr eaLnBrk="1" hangingPunct="1"/>
-              <a:t>27</a:t>
+              <a:t>29</a:t>
             </a:fld>
             <a:endParaRPr lang="en-US">
               <a:solidFill>
@@ -1398,7 +1400,7 @@
                 <a:latin typeface="Calibri" panose="020F0502020204030204" pitchFamily="34" charset="0"/>
               </a:rPr>
               <a:pPr eaLnBrk="1" hangingPunct="1"/>
-              <a:t>28</a:t>
+              <a:t>30</a:t>
             </a:fld>
             <a:endParaRPr lang="en-US">
               <a:solidFill>
@@ -1647,7 +1649,7 @@
                 <a:latin typeface="Calibri" panose="020F0502020204030204" pitchFamily="34" charset="0"/>
               </a:rPr>
               <a:pPr eaLnBrk="1" hangingPunct="1"/>
-              <a:t>29</a:t>
+              <a:t>31</a:t>
             </a:fld>
             <a:endParaRPr lang="en-US">
               <a:solidFill>
@@ -1896,7 +1898,7 @@
                 <a:latin typeface="Calibri" panose="020F0502020204030204" pitchFamily="34" charset="0"/>
               </a:rPr>
               <a:pPr eaLnBrk="1" hangingPunct="1"/>
-              <a:t>33</a:t>
+              <a:t>35</a:t>
             </a:fld>
             <a:endParaRPr lang="en-US">
               <a:solidFill>
@@ -2072,7 +2074,7 @@
           <a:p>
             <a:fld id="{BF4D7DE9-04F8-4F0B-A692-02FE1DAE9F6D}" type="datetimeFigureOut">
               <a:rPr lang="en-US" smtClean="0"/>
-              <a:t>5/10/2017</a:t>
+              <a:t>5/16/2017</a:t>
             </a:fld>
             <a:endParaRPr lang="en-US"/>
           </a:p>
@@ -2447,7 +2449,7 @@
           <a:p>
             <a:fld id="{BF4D7DE9-04F8-4F0B-A692-02FE1DAE9F6D}" type="datetimeFigureOut">
               <a:rPr lang="en-US" smtClean="0"/>
-              <a:t>5/10/2017</a:t>
+              <a:t>5/16/2017</a:t>
             </a:fld>
             <a:endParaRPr lang="en-US"/>
           </a:p>
@@ -2652,7 +2654,7 @@
           <a:p>
             <a:fld id="{BF4D7DE9-04F8-4F0B-A692-02FE1DAE9F6D}" type="datetimeFigureOut">
               <a:rPr lang="en-US" smtClean="0"/>
-              <a:t>5/10/2017</a:t>
+              <a:t>5/16/2017</a:t>
             </a:fld>
             <a:endParaRPr lang="en-US"/>
           </a:p>
@@ -2832,7 +2834,7 @@
           <a:p>
             <a:fld id="{BF4D7DE9-04F8-4F0B-A692-02FE1DAE9F6D}" type="datetimeFigureOut">
               <a:rPr lang="en-US" smtClean="0"/>
-              <a:t>5/10/2017</a:t>
+              <a:t>5/16/2017</a:t>
             </a:fld>
             <a:endParaRPr lang="en-US"/>
           </a:p>
@@ -3234,7 +3236,7 @@
           <a:p>
             <a:fld id="{BF4D7DE9-04F8-4F0B-A692-02FE1DAE9F6D}" type="datetimeFigureOut">
               <a:rPr lang="en-US" smtClean="0"/>
-              <a:t>5/10/2017</a:t>
+              <a:t>5/16/2017</a:t>
             </a:fld>
             <a:endParaRPr lang="en-US"/>
           </a:p>
@@ -3498,7 +3500,7 @@
           <a:p>
             <a:fld id="{BF4D7DE9-04F8-4F0B-A692-02FE1DAE9F6D}" type="datetimeFigureOut">
               <a:rPr lang="en-US" smtClean="0"/>
-              <a:t>5/10/2017</a:t>
+              <a:t>5/16/2017</a:t>
             </a:fld>
             <a:endParaRPr lang="en-US"/>
           </a:p>
@@ -3877,7 +3879,7 @@
           <a:p>
             <a:fld id="{BF4D7DE9-04F8-4F0B-A692-02FE1DAE9F6D}" type="datetimeFigureOut">
               <a:rPr lang="en-US" smtClean="0"/>
-              <a:t>5/10/2017</a:t>
+              <a:t>5/16/2017</a:t>
             </a:fld>
             <a:endParaRPr lang="en-US"/>
           </a:p>
@@ -4334,7 +4336,7 @@
           <a:p>
             <a:fld id="{BF4D7DE9-04F8-4F0B-A692-02FE1DAE9F6D}" type="datetimeFigureOut">
               <a:rPr lang="en-US" smtClean="0"/>
-              <a:t>5/10/2017</a:t>
+              <a:t>5/16/2017</a:t>
             </a:fld>
             <a:endParaRPr lang="en-US"/>
           </a:p>
@@ -4459,7 +4461,7 @@
           <a:p>
             <a:fld id="{BF4D7DE9-04F8-4F0B-A692-02FE1DAE9F6D}" type="datetimeFigureOut">
               <a:rPr lang="en-US" smtClean="0"/>
-              <a:t>5/10/2017</a:t>
+              <a:t>5/16/2017</a:t>
             </a:fld>
             <a:endParaRPr lang="en-US"/>
           </a:p>
@@ -4561,7 +4563,7 @@
           <a:p>
             <a:fld id="{BF4D7DE9-04F8-4F0B-A692-02FE1DAE9F6D}" type="datetimeFigureOut">
               <a:rPr lang="en-US" smtClean="0"/>
-              <a:t>5/10/2017</a:t>
+              <a:t>5/16/2017</a:t>
             </a:fld>
             <a:endParaRPr lang="en-US"/>
           </a:p>
@@ -4661,7 +4663,7 @@
           <a:p>
             <a:fld id="{BF4D7DE9-04F8-4F0B-A692-02FE1DAE9F6D}" type="datetimeFigureOut">
               <a:rPr lang="en-US" smtClean="0"/>
-              <a:t>5/10/2017</a:t>
+              <a:t>5/16/2017</a:t>
             </a:fld>
             <a:endParaRPr lang="en-US"/>
           </a:p>
@@ -5039,7 +5041,7 @@
           <a:p>
             <a:fld id="{BF4D7DE9-04F8-4F0B-A692-02FE1DAE9F6D}" type="datetimeFigureOut">
               <a:rPr lang="en-US" smtClean="0"/>
-              <a:t>5/10/2017</a:t>
+              <a:t>5/16/2017</a:t>
             </a:fld>
             <a:endParaRPr lang="en-US"/>
           </a:p>
@@ -5259,7 +5261,7 @@
           <a:p>
             <a:fld id="{BF4D7DE9-04F8-4F0B-A692-02FE1DAE9F6D}" type="datetimeFigureOut">
               <a:rPr lang="en-US" smtClean="0"/>
-              <a:t>5/10/2017</a:t>
+              <a:t>5/16/2017</a:t>
             </a:fld>
             <a:endParaRPr lang="en-US"/>
           </a:p>
@@ -6514,167 +6516,40 @@
           <a:chExt cx="0" cy="0"/>
         </a:xfrm>
       </p:grpSpPr>
-      <p:sp>
-        <p:nvSpPr>
-          <p:cNvPr id="2" name="Title 1"/>
-          <p:cNvSpPr>
-            <a:spLocks noGrp="1"/>
-          </p:cNvSpPr>
-          <p:nvPr>
-            <p:ph type="title"/>
-          </p:nvPr>
-        </p:nvSpPr>
-        <p:spPr/>
-        <p:txBody>
-          <a:bodyPr/>
-          <a:lstStyle/>
-          <a:p>
-            <a:r>
-              <a:rPr lang="en-US" dirty="0"/>
-              <a:t>Classification Evaluation </a:t>
-            </a:r>
-            <a:r>
-              <a:rPr lang="en-US" dirty="0" smtClean="0"/>
-              <a:t>Measures</a:t>
-            </a:r>
-            <a:endParaRPr lang="he-IL" dirty="0"/>
-          </a:p>
-        </p:txBody>
-      </p:sp>
-      <p:sp>
-        <p:nvSpPr>
-          <p:cNvPr id="3" name="Content Placeholder 2"/>
-          <p:cNvSpPr>
-            <a:spLocks noGrp="1"/>
-          </p:cNvSpPr>
-          <p:nvPr>
-            <p:ph idx="1"/>
-          </p:nvPr>
-        </p:nvSpPr>
-        <p:spPr/>
-        <p:txBody>
-          <a:bodyPr/>
-          <a:lstStyle/>
-          <a:p>
-            <a:r>
-              <a:rPr lang="en-US" b="1" i="1" dirty="0" smtClean="0"/>
-              <a:t>callable </a:t>
-            </a:r>
-            <a:r>
-              <a:rPr lang="en-US" b="1" i="1" dirty="0"/>
-              <a:t>string </a:t>
-            </a:r>
-            <a:r>
-              <a:rPr lang="en-US" b="1" i="1" dirty="0" smtClean="0"/>
-              <a:t>		function</a:t>
-            </a:r>
-            <a:endParaRPr lang="en-US" b="1" i="1" dirty="0"/>
-          </a:p>
-          <a:p>
-            <a:r>
-              <a:rPr lang="en-US" dirty="0"/>
-              <a:t>accuracy </a:t>
-            </a:r>
-            <a:r>
-              <a:rPr lang="en-US" dirty="0" smtClean="0"/>
-              <a:t>		</a:t>
-            </a:r>
-            <a:r>
-              <a:rPr lang="en-US" dirty="0" err="1" smtClean="0"/>
-              <a:t>sklearn.metrics.accuracy_score</a:t>
-            </a:r>
-            <a:endParaRPr lang="en-US" dirty="0"/>
-          </a:p>
-          <a:p>
-            <a:r>
-              <a:rPr lang="en-US" dirty="0"/>
-              <a:t>precision </a:t>
-            </a:r>
-            <a:r>
-              <a:rPr lang="en-US" dirty="0" smtClean="0"/>
-              <a:t>		</a:t>
-            </a:r>
-            <a:r>
-              <a:rPr lang="en-US" dirty="0" err="1" smtClean="0"/>
-              <a:t>sklearn.metrics.precision_score</a:t>
-            </a:r>
-            <a:endParaRPr lang="en-US" dirty="0"/>
-          </a:p>
-          <a:p>
-            <a:r>
-              <a:rPr lang="en-US" dirty="0"/>
-              <a:t>recall </a:t>
-            </a:r>
-            <a:r>
-              <a:rPr lang="en-US" dirty="0" smtClean="0"/>
-              <a:t>			</a:t>
-            </a:r>
-            <a:r>
-              <a:rPr lang="en-US" dirty="0" err="1" smtClean="0"/>
-              <a:t>sklearn.metrics.recall_score</a:t>
-            </a:r>
-            <a:endParaRPr lang="en-US" dirty="0"/>
-          </a:p>
-          <a:p>
-            <a:r>
-              <a:rPr lang="en-US" dirty="0"/>
-              <a:t>f1 </a:t>
-            </a:r>
-            <a:r>
-              <a:rPr lang="en-US" dirty="0" smtClean="0"/>
-              <a:t>			sklearn.metrics.f1_score</a:t>
-            </a:r>
-            <a:endParaRPr lang="en-US" dirty="0"/>
-          </a:p>
-          <a:p>
-            <a:r>
-              <a:rPr lang="en-US" dirty="0" err="1"/>
-              <a:t>roc_auc</a:t>
-            </a:r>
-            <a:r>
-              <a:rPr lang="en-US" dirty="0"/>
-              <a:t> </a:t>
-            </a:r>
-            <a:r>
-              <a:rPr lang="en-US" dirty="0" smtClean="0"/>
-              <a:t>		</a:t>
-            </a:r>
-            <a:r>
-              <a:rPr lang="en-US" dirty="0" err="1" smtClean="0"/>
-              <a:t>sklearn.metrics.roc_auc_score</a:t>
-            </a:r>
-            <a:endParaRPr lang="en-US" dirty="0" smtClean="0"/>
-          </a:p>
-          <a:p>
-            <a:r>
-              <a:rPr lang="en-US" dirty="0" smtClean="0"/>
-              <a:t>kappa			</a:t>
-            </a:r>
-            <a:r>
-              <a:rPr lang="en-US" dirty="0" err="1" smtClean="0"/>
-              <a:t>sklearn.metrics.cohen_kappa_score</a:t>
-            </a:r>
-            <a:endParaRPr lang="he-IL" dirty="0"/>
-          </a:p>
-        </p:txBody>
-      </p:sp>
+      <p:pic>
+        <p:nvPicPr>
+          <p:cNvPr id="4" name="Picture 3"/>
+          <p:cNvPicPr>
+            <a:picLocks noChangeAspect="1"/>
+          </p:cNvPicPr>
+          <p:nvPr/>
+        </p:nvPicPr>
+        <p:blipFill>
+          <a:blip r:embed="rId2"/>
+          <a:stretch>
+            <a:fillRect/>
+          </a:stretch>
+        </p:blipFill>
+        <p:spPr>
+          <a:xfrm>
+            <a:off x="911679" y="1251176"/>
+            <a:ext cx="10172700" cy="4333875"/>
+          </a:xfrm>
+          <a:prstGeom prst="rect">
+            <a:avLst/>
+          </a:prstGeom>
+        </p:spPr>
+      </p:pic>
     </p:spTree>
     <p:extLst>
       <p:ext uri="{BB962C8B-B14F-4D97-AF65-F5344CB8AC3E}">
-        <p14:creationId xmlns:p14="http://schemas.microsoft.com/office/powerpoint/2010/main" val="1180818287"/>
+        <p14:creationId xmlns:p14="http://schemas.microsoft.com/office/powerpoint/2010/main" val="1698524372"/>
       </p:ext>
     </p:extLst>
   </p:cSld>
   <p:clrMapOvr>
     <a:masterClrMapping/>
   </p:clrMapOvr>
-  <p:timing>
-    <p:tnLst>
-      <p:par>
-        <p:cTn id="1" dur="indefinite" restart="never" nodeType="tmRoot"/>
-      </p:par>
-    </p:tnLst>
-  </p:timing>
 </p:sld>
 </file>
 
@@ -6695,47 +6570,9 @@
           <a:chExt cx="0" cy="0"/>
         </a:xfrm>
       </p:grpSpPr>
-      <p:sp>
-        <p:nvSpPr>
-          <p:cNvPr id="2" name="Title 1"/>
-          <p:cNvSpPr>
-            <a:spLocks noGrp="1"/>
-          </p:cNvSpPr>
-          <p:nvPr>
-            <p:ph type="title"/>
-          </p:nvPr>
-        </p:nvSpPr>
-        <p:spPr/>
-        <p:txBody>
-          <a:bodyPr/>
-          <a:lstStyle/>
-          <a:p>
-            <a:endParaRPr lang="he-IL"/>
-          </a:p>
-        </p:txBody>
-      </p:sp>
-      <p:sp>
-        <p:nvSpPr>
-          <p:cNvPr id="3" name="Content Placeholder 2"/>
-          <p:cNvSpPr>
-            <a:spLocks noGrp="1"/>
-          </p:cNvSpPr>
-          <p:nvPr>
-            <p:ph idx="1"/>
-          </p:nvPr>
-        </p:nvSpPr>
-        <p:spPr/>
-        <p:txBody>
-          <a:bodyPr/>
-          <a:lstStyle/>
-          <a:p>
-            <a:endParaRPr lang="he-IL"/>
-          </a:p>
-        </p:txBody>
-      </p:sp>
       <p:pic>
         <p:nvPicPr>
-          <p:cNvPr id="1026" name="Picture 2" descr="https://upload.wikimedia.org/wikipedia/commons/thumb/2/26/Precisionrecall.svg/350px-Precisionrecall.svg.png"/>
+          <p:cNvPr id="1026" name="Picture 2" descr="Accuracy calculation."/>
           <p:cNvPicPr>
             <a:picLocks noChangeAspect="1" noChangeArrowheads="1"/>
           </p:cNvPicPr>
@@ -6756,8 +6593,8 @@
         </p:blipFill>
         <p:spPr bwMode="auto">
           <a:xfrm>
-            <a:off x="7416347" y="405720"/>
-            <a:ext cx="3333750" cy="6057901"/>
+            <a:off x="852261" y="707117"/>
+            <a:ext cx="4191000" cy="1476375"/>
           </a:xfrm>
           <a:prstGeom prst="rect">
             <a:avLst/>
@@ -6776,93 +6613,240 @@
       </p:pic>
       <p:pic>
         <p:nvPicPr>
-          <p:cNvPr id="6" name="Picture 5"/>
+          <p:cNvPr id="1028" name="Picture 4" descr="Sensitivity calculation."/>
           <p:cNvPicPr>
-            <a:picLocks noChangeAspect="1"/>
+            <a:picLocks noChangeAspect="1" noChangeArrowheads="1"/>
           </p:cNvPicPr>
           <p:nvPr/>
         </p:nvPicPr>
         <p:blipFill>
-          <a:blip r:embed="rId3"/>
+          <a:blip r:embed="rId3">
+            <a:extLst>
+              <a:ext uri="{28A0092B-C50C-407E-A947-70E740481C1C}">
+                <a14:useLocalDpi xmlns:a14="http://schemas.microsoft.com/office/drawing/2010/main" val="0"/>
+              </a:ext>
+            </a:extLst>
+          </a:blip>
+          <a:srcRect/>
           <a:stretch>
             <a:fillRect/>
           </a:stretch>
         </p:blipFill>
-        <p:spPr>
+        <p:spPr bwMode="auto">
           <a:xfrm>
-            <a:off x="1025978" y="2259466"/>
-            <a:ext cx="6441622" cy="887687"/>
+            <a:off x="852261" y="2720975"/>
+            <a:ext cx="4191000" cy="1476375"/>
           </a:xfrm>
           <a:prstGeom prst="rect">
             <a:avLst/>
           </a:prstGeom>
+          <a:noFill/>
+          <a:extLst>
+            <a:ext uri="{909E8E84-426E-40DD-AFC4-6F175D3DCCD1}">
+              <a14:hiddenFill xmlns:a14="http://schemas.microsoft.com/office/drawing/2010/main">
+                <a:solidFill>
+                  <a:srgbClr val="FFFFFF"/>
+                </a:solidFill>
+              </a14:hiddenFill>
+            </a:ext>
+          </a:extLst>
         </p:spPr>
       </p:pic>
       <p:pic>
         <p:nvPicPr>
-          <p:cNvPr id="7" name="Picture 6"/>
+          <p:cNvPr id="1030" name="Picture 6" descr="Specificity calculation."/>
           <p:cNvPicPr>
-            <a:picLocks noChangeAspect="1"/>
+            <a:picLocks noChangeAspect="1" noChangeArrowheads="1"/>
           </p:cNvPicPr>
           <p:nvPr/>
         </p:nvPicPr>
         <p:blipFill>
-          <a:blip r:embed="rId4"/>
+          <a:blip r:embed="rId4">
+            <a:extLst>
+              <a:ext uri="{28A0092B-C50C-407E-A947-70E740481C1C}">
+                <a14:useLocalDpi xmlns:a14="http://schemas.microsoft.com/office/drawing/2010/main" val="0"/>
+              </a:ext>
+            </a:extLst>
+          </a:blip>
+          <a:srcRect/>
           <a:stretch>
             <a:fillRect/>
           </a:stretch>
         </p:blipFill>
-        <p:spPr>
+        <p:spPr bwMode="auto">
           <a:xfrm>
-            <a:off x="1018494" y="3237819"/>
-            <a:ext cx="6329363" cy="1045291"/>
+            <a:off x="852261" y="4832802"/>
+            <a:ext cx="4191000" cy="1476375"/>
           </a:xfrm>
           <a:prstGeom prst="rect">
             <a:avLst/>
           </a:prstGeom>
+          <a:noFill/>
+          <a:extLst>
+            <a:ext uri="{909E8E84-426E-40DD-AFC4-6F175D3DCCD1}">
+              <a14:hiddenFill xmlns:a14="http://schemas.microsoft.com/office/drawing/2010/main">
+                <a:solidFill>
+                  <a:srgbClr val="FFFFFF"/>
+                </a:solidFill>
+              </a14:hiddenFill>
+            </a:ext>
+          </a:extLst>
         </p:spPr>
       </p:pic>
       <p:pic>
         <p:nvPicPr>
-          <p:cNvPr id="8" name="Picture 7"/>
+          <p:cNvPr id="1032" name="Picture 8" descr="Precision calculation."/>
           <p:cNvPicPr>
-            <a:picLocks noChangeAspect="1"/>
+            <a:picLocks noChangeAspect="1" noChangeArrowheads="1"/>
           </p:cNvPicPr>
           <p:nvPr/>
         </p:nvPicPr>
         <p:blipFill>
-          <a:blip r:embed="rId5"/>
+          <a:blip r:embed="rId5">
+            <a:extLst>
+              <a:ext uri="{28A0092B-C50C-407E-A947-70E740481C1C}">
+                <a14:useLocalDpi xmlns:a14="http://schemas.microsoft.com/office/drawing/2010/main" val="0"/>
+              </a:ext>
+            </a:extLst>
+          </a:blip>
+          <a:srcRect/>
           <a:stretch>
             <a:fillRect/>
           </a:stretch>
         </p:blipFill>
-        <p:spPr>
+        <p:spPr bwMode="auto">
           <a:xfrm>
-            <a:off x="1033463" y="4345440"/>
-            <a:ext cx="2994252" cy="892437"/>
+            <a:off x="6746875" y="707117"/>
+            <a:ext cx="4191000" cy="1476375"/>
           </a:xfrm>
           <a:prstGeom prst="rect">
             <a:avLst/>
           </a:prstGeom>
+          <a:noFill/>
+          <a:extLst>
+            <a:ext uri="{909E8E84-426E-40DD-AFC4-6F175D3DCCD1}">
+              <a14:hiddenFill xmlns:a14="http://schemas.microsoft.com/office/drawing/2010/main">
+                <a:solidFill>
+                  <a:srgbClr val="FFFFFF"/>
+                </a:solidFill>
+              </a14:hiddenFill>
+            </a:ext>
+          </a:extLst>
         </p:spPr>
       </p:pic>
+      <p:pic>
+        <p:nvPicPr>
+          <p:cNvPr id="1034" name="Picture 10" descr="False positive rate calculation."/>
+          <p:cNvPicPr>
+            <a:picLocks noChangeAspect="1" noChangeArrowheads="1"/>
+          </p:cNvPicPr>
+          <p:nvPr/>
+        </p:nvPicPr>
+        <p:blipFill>
+          <a:blip r:embed="rId6">
+            <a:extLst>
+              <a:ext uri="{28A0092B-C50C-407E-A947-70E740481C1C}">
+                <a14:useLocalDpi xmlns:a14="http://schemas.microsoft.com/office/drawing/2010/main" val="0"/>
+              </a:ext>
+            </a:extLst>
+          </a:blip>
+          <a:srcRect/>
+          <a:stretch>
+            <a:fillRect/>
+          </a:stretch>
+        </p:blipFill>
+        <p:spPr bwMode="auto">
+          <a:xfrm>
+            <a:off x="6746875" y="2720975"/>
+            <a:ext cx="4191000" cy="1476375"/>
+          </a:xfrm>
+          <a:prstGeom prst="rect">
+            <a:avLst/>
+          </a:prstGeom>
+          <a:noFill/>
+          <a:extLst>
+            <a:ext uri="{909E8E84-426E-40DD-AFC4-6F175D3DCCD1}">
+              <a14:hiddenFill xmlns:a14="http://schemas.microsoft.com/office/drawing/2010/main">
+                <a:solidFill>
+                  <a:srgbClr val="FFFFFF"/>
+                </a:solidFill>
+              </a14:hiddenFill>
+            </a:ext>
+          </a:extLst>
+        </p:spPr>
+      </p:pic>
+      <p:sp>
+        <p:nvSpPr>
+          <p:cNvPr id="2" name="TextBox 1"/>
+          <p:cNvSpPr txBox="1"/>
+          <p:nvPr/>
+        </p:nvSpPr>
+        <p:spPr>
+          <a:xfrm>
+            <a:off x="852261" y="6368142"/>
+            <a:ext cx="4191000" cy="307777"/>
+          </a:xfrm>
+          <a:prstGeom prst="rect">
+            <a:avLst/>
+          </a:prstGeom>
+          <a:noFill/>
+        </p:spPr>
+        <p:txBody>
+          <a:bodyPr wrap="square" rtlCol="1">
+            <a:spAutoFit/>
+          </a:bodyPr>
+          <a:lstStyle/>
+          <a:p>
+            <a:pPr algn="ctr"/>
+            <a:r>
+              <a:rPr lang="en-US" sz="1400" dirty="0" smtClean="0"/>
+              <a:t>aka True Negative Rate</a:t>
+            </a:r>
+            <a:endParaRPr lang="he-IL" sz="1400" dirty="0"/>
+          </a:p>
+        </p:txBody>
+      </p:sp>
+      <p:sp>
+        <p:nvSpPr>
+          <p:cNvPr id="8" name="TextBox 7"/>
+          <p:cNvSpPr txBox="1"/>
+          <p:nvPr/>
+        </p:nvSpPr>
+        <p:spPr>
+          <a:xfrm>
+            <a:off x="852261" y="4180114"/>
+            <a:ext cx="4191000" cy="307777"/>
+          </a:xfrm>
+          <a:prstGeom prst="rect">
+            <a:avLst/>
+          </a:prstGeom>
+          <a:noFill/>
+        </p:spPr>
+        <p:txBody>
+          <a:bodyPr wrap="square" rtlCol="1">
+            <a:spAutoFit/>
+          </a:bodyPr>
+          <a:lstStyle/>
+          <a:p>
+            <a:pPr algn="ctr"/>
+            <a:r>
+              <a:rPr lang="en-US" sz="1400" dirty="0" smtClean="0"/>
+              <a:t>aka Recall, True Positive Rate</a:t>
+            </a:r>
+            <a:endParaRPr lang="he-IL" sz="1400" dirty="0"/>
+          </a:p>
+        </p:txBody>
+      </p:sp>
     </p:spTree>
     <p:extLst>
       <p:ext uri="{BB962C8B-B14F-4D97-AF65-F5344CB8AC3E}">
-        <p14:creationId xmlns:p14="http://schemas.microsoft.com/office/powerpoint/2010/main" val="1769567454"/>
+        <p14:creationId xmlns:p14="http://schemas.microsoft.com/office/powerpoint/2010/main" val="665693043"/>
       </p:ext>
     </p:extLst>
   </p:cSld>
   <p:clrMapOvr>
     <a:masterClrMapping/>
   </p:clrMapOvr>
-  <p:timing>
-    <p:tnLst>
-      <p:par>
-        <p:cTn id="1" dur="indefinite" restart="never" nodeType="tmRoot"/>
-      </p:par>
-    </p:tnLst>
-  </p:timing>
 </p:sld>
 </file>
 
@@ -6997,6 +6981,102 @@
 </file>
 
 <file path=ppt/slides/slide20.xml><?xml version="1.0" encoding="utf-8"?>
+<p:sld xmlns:a="http://schemas.openxmlformats.org/drawingml/2006/main" xmlns:r="http://schemas.openxmlformats.org/officeDocument/2006/relationships" xmlns:p="http://schemas.openxmlformats.org/presentationml/2006/main">
+  <p:cSld>
+    <p:spTree>
+      <p:nvGrpSpPr>
+        <p:cNvPr id="1" name=""/>
+        <p:cNvGrpSpPr/>
+        <p:nvPr/>
+      </p:nvGrpSpPr>
+      <p:grpSpPr>
+        <a:xfrm>
+          <a:off x="0" y="0"/>
+          <a:ext cx="0" cy="0"/>
+          <a:chOff x="0" y="0"/>
+          <a:chExt cx="0" cy="0"/>
+        </a:xfrm>
+      </p:grpSpPr>
+      <p:sp>
+        <p:nvSpPr>
+          <p:cNvPr id="2" name="Title 1"/>
+          <p:cNvSpPr>
+            <a:spLocks noGrp="1"/>
+          </p:cNvSpPr>
+          <p:nvPr>
+            <p:ph type="title"/>
+          </p:nvPr>
+        </p:nvSpPr>
+        <p:spPr/>
+        <p:txBody>
+          <a:bodyPr/>
+          <a:lstStyle/>
+          <a:p>
+            <a:r>
+              <a:rPr lang="en-US" dirty="0" smtClean="0"/>
+              <a:t>Confusion Matrix in SKLEARN</a:t>
+            </a:r>
+            <a:endParaRPr lang="he-IL" dirty="0"/>
+          </a:p>
+        </p:txBody>
+      </p:sp>
+      <p:sp>
+        <p:nvSpPr>
+          <p:cNvPr id="3" name="Content Placeholder 2"/>
+          <p:cNvSpPr>
+            <a:spLocks noGrp="1"/>
+          </p:cNvSpPr>
+          <p:nvPr>
+            <p:ph idx="1"/>
+          </p:nvPr>
+        </p:nvSpPr>
+        <p:spPr/>
+        <p:txBody>
+          <a:bodyPr/>
+          <a:lstStyle/>
+          <a:p>
+            <a:endParaRPr lang="he-IL"/>
+          </a:p>
+        </p:txBody>
+      </p:sp>
+      <p:pic>
+        <p:nvPicPr>
+          <p:cNvPr id="4" name="Picture 3"/>
+          <p:cNvPicPr>
+            <a:picLocks noChangeAspect="1"/>
+          </p:cNvPicPr>
+          <p:nvPr/>
+        </p:nvPicPr>
+        <p:blipFill>
+          <a:blip r:embed="rId2"/>
+          <a:stretch>
+            <a:fillRect/>
+          </a:stretch>
+        </p:blipFill>
+        <p:spPr>
+          <a:xfrm>
+            <a:off x="964065" y="2233613"/>
+            <a:ext cx="9834563" cy="3005360"/>
+          </a:xfrm>
+          <a:prstGeom prst="rect">
+            <a:avLst/>
+          </a:prstGeom>
+        </p:spPr>
+      </p:pic>
+    </p:spTree>
+    <p:extLst>
+      <p:ext uri="{BB962C8B-B14F-4D97-AF65-F5344CB8AC3E}">
+        <p14:creationId xmlns:p14="http://schemas.microsoft.com/office/powerpoint/2010/main" val="1367434591"/>
+      </p:ext>
+    </p:extLst>
+  </p:cSld>
+  <p:clrMapOvr>
+    <a:masterClrMapping/>
+  </p:clrMapOvr>
+</p:sld>
+</file>
+
+<file path=ppt/slides/slide21.xml><?xml version="1.0" encoding="utf-8"?>
 <p:sld xmlns:a="http://schemas.openxmlformats.org/drawingml/2006/main" xmlns:r="http://schemas.openxmlformats.org/officeDocument/2006/relationships" xmlns:p="http://schemas.openxmlformats.org/presentationml/2006/main">
   <p:cSld>
     <p:spTree>
@@ -7141,85 +7221,6 @@
 </p:sld>
 </file>
 
-<file path=ppt/slides/slide21.xml><?xml version="1.0" encoding="utf-8"?>
-<p:sld xmlns:a="http://schemas.openxmlformats.org/drawingml/2006/main" xmlns:r="http://schemas.openxmlformats.org/officeDocument/2006/relationships" xmlns:p="http://schemas.openxmlformats.org/presentationml/2006/main">
-  <p:cSld>
-    <p:spTree>
-      <p:nvGrpSpPr>
-        <p:cNvPr id="1" name=""/>
-        <p:cNvGrpSpPr/>
-        <p:nvPr/>
-      </p:nvGrpSpPr>
-      <p:grpSpPr>
-        <a:xfrm>
-          <a:off x="0" y="0"/>
-          <a:ext cx="0" cy="0"/>
-          <a:chOff x="0" y="0"/>
-          <a:chExt cx="0" cy="0"/>
-        </a:xfrm>
-      </p:grpSpPr>
-      <p:sp>
-        <p:nvSpPr>
-          <p:cNvPr id="5" name="Title 4"/>
-          <p:cNvSpPr>
-            <a:spLocks noGrp="1"/>
-          </p:cNvSpPr>
-          <p:nvPr>
-            <p:ph type="title"/>
-          </p:nvPr>
-        </p:nvSpPr>
-        <p:spPr/>
-        <p:txBody>
-          <a:bodyPr/>
-          <a:lstStyle/>
-          <a:p>
-            <a:r>
-              <a:rPr lang="en-US" dirty="0" smtClean="0"/>
-              <a:t>Train/Test Split</a:t>
-            </a:r>
-            <a:endParaRPr lang="he-IL" dirty="0"/>
-          </a:p>
-        </p:txBody>
-      </p:sp>
-      <p:sp>
-        <p:nvSpPr>
-          <p:cNvPr id="6" name="Text Placeholder 5"/>
-          <p:cNvSpPr>
-            <a:spLocks noGrp="1"/>
-          </p:cNvSpPr>
-          <p:nvPr>
-            <p:ph type="body" idx="1"/>
-          </p:nvPr>
-        </p:nvSpPr>
-        <p:spPr/>
-        <p:txBody>
-          <a:bodyPr/>
-          <a:lstStyle/>
-          <a:p>
-            <a:endParaRPr lang="he-IL"/>
-          </a:p>
-        </p:txBody>
-      </p:sp>
-    </p:spTree>
-    <p:extLst>
-      <p:ext uri="{BB962C8B-B14F-4D97-AF65-F5344CB8AC3E}">
-        <p14:creationId xmlns:p14="http://schemas.microsoft.com/office/powerpoint/2010/main" val="3535101204"/>
-      </p:ext>
-    </p:extLst>
-  </p:cSld>
-  <p:clrMapOvr>
-    <a:masterClrMapping/>
-  </p:clrMapOvr>
-  <p:timing>
-    <p:tnLst>
-      <p:par>
-        <p:cTn id="1" dur="indefinite" restart="never" nodeType="tmRoot"/>
-      </p:par>
-    </p:tnLst>
-  </p:timing>
-</p:sld>
-</file>
-
 <file path=ppt/slides/slide22.xml><?xml version="1.0" encoding="utf-8"?>
 <p:sld xmlns:a="http://schemas.openxmlformats.org/drawingml/2006/main" xmlns:r="http://schemas.openxmlformats.org/officeDocument/2006/relationships" xmlns:p="http://schemas.openxmlformats.org/presentationml/2006/main">
   <p:cSld>
@@ -7253,6 +7254,266 @@
           <a:lstStyle/>
           <a:p>
             <a:r>
+              <a:rPr lang="en-US" dirty="0"/>
+              <a:t>Classification Evaluation </a:t>
+            </a:r>
+            <a:r>
+              <a:rPr lang="en-US" dirty="0" smtClean="0"/>
+              <a:t>Measures</a:t>
+            </a:r>
+            <a:endParaRPr lang="he-IL" dirty="0"/>
+          </a:p>
+        </p:txBody>
+      </p:sp>
+      <p:sp>
+        <p:nvSpPr>
+          <p:cNvPr id="3" name="Content Placeholder 2"/>
+          <p:cNvSpPr>
+            <a:spLocks noGrp="1"/>
+          </p:cNvSpPr>
+          <p:nvPr>
+            <p:ph idx="1"/>
+          </p:nvPr>
+        </p:nvSpPr>
+        <p:spPr/>
+        <p:txBody>
+          <a:bodyPr/>
+          <a:lstStyle/>
+          <a:p>
+            <a:r>
+              <a:rPr lang="en-US" b="1" i="1" dirty="0" smtClean="0"/>
+              <a:t>callable </a:t>
+            </a:r>
+            <a:r>
+              <a:rPr lang="en-US" b="1" i="1" dirty="0"/>
+              <a:t>string </a:t>
+            </a:r>
+            <a:r>
+              <a:rPr lang="en-US" b="1" i="1" dirty="0" smtClean="0"/>
+              <a:t>		function</a:t>
+            </a:r>
+            <a:endParaRPr lang="en-US" b="1" i="1" dirty="0"/>
+          </a:p>
+          <a:p>
+            <a:r>
+              <a:rPr lang="en-US" dirty="0"/>
+              <a:t>accuracy </a:t>
+            </a:r>
+            <a:r>
+              <a:rPr lang="en-US" dirty="0" smtClean="0"/>
+              <a:t>		</a:t>
+            </a:r>
+            <a:r>
+              <a:rPr lang="en-US" dirty="0" err="1" smtClean="0"/>
+              <a:t>sklearn.metrics.accuracy_score</a:t>
+            </a:r>
+            <a:endParaRPr lang="en-US" dirty="0"/>
+          </a:p>
+          <a:p>
+            <a:r>
+              <a:rPr lang="en-US" dirty="0"/>
+              <a:t>precision </a:t>
+            </a:r>
+            <a:r>
+              <a:rPr lang="en-US" dirty="0" smtClean="0"/>
+              <a:t>		</a:t>
+            </a:r>
+            <a:r>
+              <a:rPr lang="en-US" dirty="0" err="1" smtClean="0"/>
+              <a:t>sklearn.metrics.precision_score</a:t>
+            </a:r>
+            <a:endParaRPr lang="en-US" dirty="0"/>
+          </a:p>
+          <a:p>
+            <a:r>
+              <a:rPr lang="en-US" dirty="0"/>
+              <a:t>recall </a:t>
+            </a:r>
+            <a:r>
+              <a:rPr lang="en-US" dirty="0" smtClean="0"/>
+              <a:t>			</a:t>
+            </a:r>
+            <a:r>
+              <a:rPr lang="en-US" dirty="0" err="1" smtClean="0"/>
+              <a:t>sklearn.metrics.recall_score</a:t>
+            </a:r>
+            <a:endParaRPr lang="en-US" dirty="0"/>
+          </a:p>
+          <a:p>
+            <a:r>
+              <a:rPr lang="en-US" dirty="0"/>
+              <a:t>f1 </a:t>
+            </a:r>
+            <a:r>
+              <a:rPr lang="en-US" dirty="0" smtClean="0"/>
+              <a:t>			sklearn.metrics.f1_score</a:t>
+            </a:r>
+            <a:endParaRPr lang="en-US" dirty="0"/>
+          </a:p>
+          <a:p>
+            <a:r>
+              <a:rPr lang="en-US" dirty="0" err="1"/>
+              <a:t>roc_auc</a:t>
+            </a:r>
+            <a:r>
+              <a:rPr lang="en-US" dirty="0"/>
+              <a:t> </a:t>
+            </a:r>
+            <a:r>
+              <a:rPr lang="en-US" dirty="0" smtClean="0"/>
+              <a:t>		</a:t>
+            </a:r>
+            <a:r>
+              <a:rPr lang="en-US" dirty="0" err="1" smtClean="0"/>
+              <a:t>sklearn.metrics.roc_auc_score</a:t>
+            </a:r>
+            <a:endParaRPr lang="en-US" dirty="0" smtClean="0"/>
+          </a:p>
+          <a:p>
+            <a:r>
+              <a:rPr lang="en-US" dirty="0" smtClean="0"/>
+              <a:t>kappa			</a:t>
+            </a:r>
+            <a:r>
+              <a:rPr lang="en-US" dirty="0" err="1" smtClean="0"/>
+              <a:t>sklearn.metrics.cohen_kappa_score</a:t>
+            </a:r>
+            <a:endParaRPr lang="he-IL" dirty="0"/>
+          </a:p>
+        </p:txBody>
+      </p:sp>
+    </p:spTree>
+    <p:extLst>
+      <p:ext uri="{BB962C8B-B14F-4D97-AF65-F5344CB8AC3E}">
+        <p14:creationId xmlns:p14="http://schemas.microsoft.com/office/powerpoint/2010/main" val="1180818287"/>
+      </p:ext>
+    </p:extLst>
+  </p:cSld>
+  <p:clrMapOvr>
+    <a:masterClrMapping/>
+  </p:clrMapOvr>
+  <p:timing>
+    <p:tnLst>
+      <p:par>
+        <p:cTn id="1" dur="indefinite" restart="never" nodeType="tmRoot"/>
+      </p:par>
+    </p:tnLst>
+  </p:timing>
+</p:sld>
+</file>
+
+<file path=ppt/slides/slide23.xml><?xml version="1.0" encoding="utf-8"?>
+<p:sld xmlns:a="http://schemas.openxmlformats.org/drawingml/2006/main" xmlns:r="http://schemas.openxmlformats.org/officeDocument/2006/relationships" xmlns:p="http://schemas.openxmlformats.org/presentationml/2006/main">
+  <p:cSld>
+    <p:spTree>
+      <p:nvGrpSpPr>
+        <p:cNvPr id="1" name=""/>
+        <p:cNvGrpSpPr/>
+        <p:nvPr/>
+      </p:nvGrpSpPr>
+      <p:grpSpPr>
+        <a:xfrm>
+          <a:off x="0" y="0"/>
+          <a:ext cx="0" cy="0"/>
+          <a:chOff x="0" y="0"/>
+          <a:chExt cx="0" cy="0"/>
+        </a:xfrm>
+      </p:grpSpPr>
+      <p:sp>
+        <p:nvSpPr>
+          <p:cNvPr id="5" name="Title 4"/>
+          <p:cNvSpPr>
+            <a:spLocks noGrp="1"/>
+          </p:cNvSpPr>
+          <p:nvPr>
+            <p:ph type="title"/>
+          </p:nvPr>
+        </p:nvSpPr>
+        <p:spPr/>
+        <p:txBody>
+          <a:bodyPr/>
+          <a:lstStyle/>
+          <a:p>
+            <a:r>
+              <a:rPr lang="en-US" dirty="0" smtClean="0"/>
+              <a:t>Train/Test Split</a:t>
+            </a:r>
+            <a:endParaRPr lang="he-IL" dirty="0"/>
+          </a:p>
+        </p:txBody>
+      </p:sp>
+      <p:sp>
+        <p:nvSpPr>
+          <p:cNvPr id="6" name="Text Placeholder 5"/>
+          <p:cNvSpPr>
+            <a:spLocks noGrp="1"/>
+          </p:cNvSpPr>
+          <p:nvPr>
+            <p:ph type="body" idx="1"/>
+          </p:nvPr>
+        </p:nvSpPr>
+        <p:spPr/>
+        <p:txBody>
+          <a:bodyPr/>
+          <a:lstStyle/>
+          <a:p>
+            <a:endParaRPr lang="he-IL"/>
+          </a:p>
+        </p:txBody>
+      </p:sp>
+    </p:spTree>
+    <p:extLst>
+      <p:ext uri="{BB962C8B-B14F-4D97-AF65-F5344CB8AC3E}">
+        <p14:creationId xmlns:p14="http://schemas.microsoft.com/office/powerpoint/2010/main" val="3535101204"/>
+      </p:ext>
+    </p:extLst>
+  </p:cSld>
+  <p:clrMapOvr>
+    <a:masterClrMapping/>
+  </p:clrMapOvr>
+  <p:timing>
+    <p:tnLst>
+      <p:par>
+        <p:cTn id="1" dur="indefinite" restart="never" nodeType="tmRoot"/>
+      </p:par>
+    </p:tnLst>
+  </p:timing>
+</p:sld>
+</file>
+
+<file path=ppt/slides/slide24.xml><?xml version="1.0" encoding="utf-8"?>
+<p:sld xmlns:a="http://schemas.openxmlformats.org/drawingml/2006/main" xmlns:r="http://schemas.openxmlformats.org/officeDocument/2006/relationships" xmlns:p="http://schemas.openxmlformats.org/presentationml/2006/main">
+  <p:cSld>
+    <p:spTree>
+      <p:nvGrpSpPr>
+        <p:cNvPr id="1" name=""/>
+        <p:cNvGrpSpPr/>
+        <p:nvPr/>
+      </p:nvGrpSpPr>
+      <p:grpSpPr>
+        <a:xfrm>
+          <a:off x="0" y="0"/>
+          <a:ext cx="0" cy="0"/>
+          <a:chOff x="0" y="0"/>
+          <a:chExt cx="0" cy="0"/>
+        </a:xfrm>
+      </p:grpSpPr>
+      <p:sp>
+        <p:nvSpPr>
+          <p:cNvPr id="2" name="Title 1"/>
+          <p:cNvSpPr>
+            <a:spLocks noGrp="1"/>
+          </p:cNvSpPr>
+          <p:nvPr>
+            <p:ph type="title"/>
+          </p:nvPr>
+        </p:nvSpPr>
+        <p:spPr/>
+        <p:txBody>
+          <a:bodyPr/>
+          <a:lstStyle/>
+          <a:p>
+            <a:r>
               <a:rPr lang="en-US" dirty="0" smtClean="0"/>
               <a:t>Train/Test Split</a:t>
             </a:r>
@@ -7356,7 +7617,7 @@
 </p:sld>
 </file>
 
-<file path=ppt/slides/slide23.xml><?xml version="1.0" encoding="utf-8"?>
+<file path=ppt/slides/slide25.xml><?xml version="1.0" encoding="utf-8"?>
 <p:sld xmlns:a="http://schemas.openxmlformats.org/drawingml/2006/main" xmlns:r="http://schemas.openxmlformats.org/officeDocument/2006/relationships" xmlns:p="http://schemas.openxmlformats.org/presentationml/2006/main">
   <p:cSld>
     <p:spTree>
@@ -7442,7 +7703,7 @@
 </p:sld>
 </file>
 
-<file path=ppt/slides/slide24.xml><?xml version="1.0" encoding="utf-8"?>
+<file path=ppt/slides/slide26.xml><?xml version="1.0" encoding="utf-8"?>
 <p:sld xmlns:a="http://schemas.openxmlformats.org/drawingml/2006/main" xmlns:r="http://schemas.openxmlformats.org/officeDocument/2006/relationships" xmlns:p="http://schemas.openxmlformats.org/presentationml/2006/main">
   <p:cSld>
     <p:spTree>
@@ -7556,7 +7817,7 @@
 </p:sld>
 </file>
 
-<file path=ppt/slides/slide25.xml><?xml version="1.0" encoding="utf-8"?>
+<file path=ppt/slides/slide27.xml><?xml version="1.0" encoding="utf-8"?>
 <p:sld xmlns:a="http://schemas.openxmlformats.org/drawingml/2006/main" xmlns:r="http://schemas.openxmlformats.org/officeDocument/2006/relationships" xmlns:p="http://schemas.openxmlformats.org/presentationml/2006/main">
   <p:cSld>
     <p:spTree>
@@ -7656,7 +7917,7 @@
 </p:sld>
 </file>
 
-<file path=ppt/slides/slide26.xml><?xml version="1.0" encoding="utf-8"?>
+<file path=ppt/slides/slide28.xml><?xml version="1.0" encoding="utf-8"?>
 <p:sld xmlns:a="http://schemas.openxmlformats.org/drawingml/2006/main" xmlns:r="http://schemas.openxmlformats.org/officeDocument/2006/relationships" xmlns:p="http://schemas.openxmlformats.org/presentationml/2006/main">
   <p:cSld>
     <p:spTree>
@@ -7882,7 +8143,7 @@
 </p:sld>
 </file>
 
-<file path=ppt/slides/slide27.xml><?xml version="1.0" encoding="utf-8"?>
+<file path=ppt/slides/slide29.xml><?xml version="1.0" encoding="utf-8"?>
 <p:sld xmlns:a="http://schemas.openxmlformats.org/drawingml/2006/main" xmlns:r="http://schemas.openxmlformats.org/officeDocument/2006/relationships" xmlns:p="http://schemas.openxmlformats.org/presentationml/2006/main">
   <p:cSld>
     <p:spTree>
@@ -8167,7 +8428,241 @@
 </p:sld>
 </file>
 
-<file path=ppt/slides/slide28.xml><?xml version="1.0" encoding="utf-8"?>
+<file path=ppt/slides/slide3.xml><?xml version="1.0" encoding="utf-8"?>
+<p:sld xmlns:a="http://schemas.openxmlformats.org/drawingml/2006/main" xmlns:r="http://schemas.openxmlformats.org/officeDocument/2006/relationships" xmlns:p="http://schemas.openxmlformats.org/presentationml/2006/main">
+  <p:cSld>
+    <p:spTree>
+      <p:nvGrpSpPr>
+        <p:cNvPr id="1" name=""/>
+        <p:cNvGrpSpPr/>
+        <p:nvPr/>
+      </p:nvGrpSpPr>
+      <p:grpSpPr>
+        <a:xfrm>
+          <a:off x="0" y="0"/>
+          <a:ext cx="0" cy="0"/>
+          <a:chOff x="0" y="0"/>
+          <a:chExt cx="0" cy="0"/>
+        </a:xfrm>
+      </p:grpSpPr>
+      <p:sp>
+        <p:nvSpPr>
+          <p:cNvPr id="2" name="Title 1"/>
+          <p:cNvSpPr>
+            <a:spLocks noGrp="1"/>
+          </p:cNvSpPr>
+          <p:nvPr>
+            <p:ph type="title"/>
+          </p:nvPr>
+        </p:nvSpPr>
+        <p:spPr/>
+        <p:txBody>
+          <a:bodyPr/>
+          <a:lstStyle/>
+          <a:p>
+            <a:r>
+              <a:rPr lang="en-US" dirty="0" err="1" smtClean="0"/>
+              <a:t>SciKit</a:t>
+            </a:r>
+            <a:r>
+              <a:rPr lang="en-US" dirty="0" smtClean="0"/>
+              <a:t> Learn</a:t>
+            </a:r>
+            <a:endParaRPr lang="he-IL" dirty="0"/>
+          </a:p>
+        </p:txBody>
+      </p:sp>
+      <p:sp>
+        <p:nvSpPr>
+          <p:cNvPr id="3" name="Content Placeholder 2"/>
+          <p:cNvSpPr>
+            <a:spLocks noGrp="1"/>
+          </p:cNvSpPr>
+          <p:nvPr>
+            <p:ph idx="1"/>
+          </p:nvPr>
+        </p:nvSpPr>
+        <p:spPr/>
+        <p:txBody>
+          <a:bodyPr>
+            <a:normAutofit/>
+          </a:bodyPr>
+          <a:lstStyle/>
+          <a:p>
+            <a:pPr marL="457200" indent="-457200">
+              <a:buFont typeface="+mj-lt"/>
+              <a:buAutoNum type="arabicPeriod"/>
+            </a:pPr>
+            <a:r>
+              <a:rPr lang="en-US" dirty="0" smtClean="0"/>
+              <a:t>Most popular ML library on Python</a:t>
+            </a:r>
+          </a:p>
+          <a:p>
+            <a:pPr marL="457200" indent="-457200">
+              <a:buFont typeface="+mj-lt"/>
+              <a:buAutoNum type="arabicPeriod"/>
+            </a:pPr>
+            <a:r>
+              <a:rPr lang="en-US" dirty="0" smtClean="0"/>
+              <a:t>Many algorithms</a:t>
+            </a:r>
+          </a:p>
+          <a:p>
+            <a:pPr marL="457200" indent="-457200">
+              <a:buFont typeface="+mj-lt"/>
+              <a:buAutoNum type="arabicPeriod"/>
+            </a:pPr>
+            <a:r>
+              <a:rPr lang="en-US" dirty="0" smtClean="0"/>
+              <a:t>Clean &amp; uniform API</a:t>
+            </a:r>
+          </a:p>
+          <a:p>
+            <a:pPr marL="457200" indent="-457200">
+              <a:buFont typeface="+mj-lt"/>
+              <a:buAutoNum type="arabicPeriod"/>
+            </a:pPr>
+            <a:r>
+              <a:rPr lang="en-US" dirty="0" smtClean="0"/>
+              <a:t>Features matrix – rows are observations, columns are features</a:t>
+            </a:r>
+          </a:p>
+          <a:p>
+            <a:pPr marL="457200" indent="-457200">
+              <a:buFont typeface="+mj-lt"/>
+              <a:buAutoNum type="arabicPeriod"/>
+            </a:pPr>
+            <a:r>
+              <a:rPr lang="en-US" dirty="0" smtClean="0"/>
+              <a:t>Target array</a:t>
+            </a:r>
+            <a:endParaRPr lang="en-US" dirty="0"/>
+          </a:p>
+          <a:p>
+            <a:pPr marL="457200" indent="-457200">
+              <a:buFont typeface="+mj-lt"/>
+              <a:buAutoNum type="arabicPeriod"/>
+            </a:pPr>
+            <a:r>
+              <a:rPr lang="en-US" dirty="0" smtClean="0"/>
+              <a:t>Consistent </a:t>
+            </a:r>
+            <a:r>
+              <a:rPr lang="en-US" dirty="0"/>
+              <a:t>structure, uses an </a:t>
+            </a:r>
+            <a:r>
+              <a:rPr lang="en-US" i="1" dirty="0">
+                <a:solidFill>
+                  <a:schemeClr val="bg1">
+                    <a:lumMod val="50000"/>
+                  </a:schemeClr>
+                </a:solidFill>
+              </a:rPr>
+              <a:t>estimator</a:t>
+            </a:r>
+            <a:r>
+              <a:rPr lang="en-US" dirty="0">
+                <a:solidFill>
+                  <a:schemeClr val="bg1">
+                    <a:lumMod val="50000"/>
+                  </a:schemeClr>
+                </a:solidFill>
+              </a:rPr>
+              <a:t> </a:t>
+            </a:r>
+            <a:r>
+              <a:rPr lang="en-US" dirty="0"/>
+              <a:t>object with methods </a:t>
+            </a:r>
+            <a:r>
+              <a:rPr lang="en-US" i="1" dirty="0">
+                <a:solidFill>
+                  <a:schemeClr val="bg1">
+                    <a:lumMod val="50000"/>
+                  </a:schemeClr>
+                </a:solidFill>
+              </a:rPr>
+              <a:t>fit</a:t>
+            </a:r>
+            <a:r>
+              <a:rPr lang="en-US" dirty="0"/>
+              <a:t>, </a:t>
+            </a:r>
+            <a:r>
+              <a:rPr lang="en-US" i="1" dirty="0">
+                <a:solidFill>
+                  <a:schemeClr val="bg1">
+                    <a:lumMod val="50000"/>
+                  </a:schemeClr>
+                </a:solidFill>
+              </a:rPr>
+              <a:t>predict</a:t>
+            </a:r>
+            <a:r>
+              <a:rPr lang="en-US" dirty="0"/>
+              <a:t>, </a:t>
+            </a:r>
+            <a:r>
+              <a:rPr lang="en-US" i="1" dirty="0" smtClean="0">
+                <a:solidFill>
+                  <a:schemeClr val="bg1">
+                    <a:lumMod val="50000"/>
+                  </a:schemeClr>
+                </a:solidFill>
+              </a:rPr>
+              <a:t>score</a:t>
+            </a:r>
+          </a:p>
+          <a:p>
+            <a:pPr marL="457200" indent="-457200">
+              <a:buFont typeface="+mj-lt"/>
+              <a:buAutoNum type="arabicPeriod"/>
+            </a:pPr>
+            <a:r>
+              <a:rPr lang="en-US" dirty="0" smtClean="0"/>
+              <a:t>Sensible defaults for each algorithm</a:t>
+            </a:r>
+          </a:p>
+          <a:p>
+            <a:endParaRPr lang="en-US" dirty="0"/>
+          </a:p>
+        </p:txBody>
+      </p:sp>
+    </p:spTree>
+    <p:extLst>
+      <p:ext uri="{BB962C8B-B14F-4D97-AF65-F5344CB8AC3E}">
+        <p14:creationId xmlns:p14="http://schemas.microsoft.com/office/powerpoint/2010/main" val="2181439270"/>
+      </p:ext>
+    </p:extLst>
+  </p:cSld>
+  <p:clrMapOvr>
+    <a:masterClrMapping/>
+  </p:clrMapOvr>
+  <mc:AlternateContent xmlns:mc="http://schemas.openxmlformats.org/markup-compatibility/2006" xmlns:p14="http://schemas.microsoft.com/office/powerpoint/2010/main">
+    <mc:Choice Requires="p14">
+      <p:transition spd="med" p14:dur="700">
+        <p:fade/>
+      </p:transition>
+    </mc:Choice>
+    <mc:Fallback xmlns="">
+      <p:transition spd="med">
+        <p:fade/>
+      </p:transition>
+    </mc:Fallback>
+  </mc:AlternateContent>
+  <p:timing>
+    <p:tnLst>
+      <p:par>
+        <p:cTn id="1" dur="indefinite" restart="never" nodeType="tmRoot"/>
+      </p:par>
+    </p:tnLst>
+  </p:timing>
+</p:sld>
+</file>
+
+<file path=ppt/slides/slide30.xml><?xml version="1.0" encoding="utf-8"?>
 <p:sld xmlns:a="http://schemas.openxmlformats.org/drawingml/2006/main" xmlns:r="http://schemas.openxmlformats.org/officeDocument/2006/relationships" xmlns:p="http://schemas.openxmlformats.org/presentationml/2006/main">
   <p:cSld>
     <p:spTree>
@@ -9451,7 +9946,7 @@
 </p:sld>
 </file>
 
-<file path=ppt/slides/slide29.xml><?xml version="1.0" encoding="utf-8"?>
+<file path=ppt/slides/slide31.xml><?xml version="1.0" encoding="utf-8"?>
 <p:sld xmlns:a="http://schemas.openxmlformats.org/drawingml/2006/main" xmlns:r="http://schemas.openxmlformats.org/officeDocument/2006/relationships" xmlns:p="http://schemas.openxmlformats.org/presentationml/2006/main">
   <p:cSld>
     <p:spTree>
@@ -9614,241 +10109,7 @@
 </p:sld>
 </file>
 
-<file path=ppt/slides/slide3.xml><?xml version="1.0" encoding="utf-8"?>
-<p:sld xmlns:a="http://schemas.openxmlformats.org/drawingml/2006/main" xmlns:r="http://schemas.openxmlformats.org/officeDocument/2006/relationships" xmlns:p="http://schemas.openxmlformats.org/presentationml/2006/main">
-  <p:cSld>
-    <p:spTree>
-      <p:nvGrpSpPr>
-        <p:cNvPr id="1" name=""/>
-        <p:cNvGrpSpPr/>
-        <p:nvPr/>
-      </p:nvGrpSpPr>
-      <p:grpSpPr>
-        <a:xfrm>
-          <a:off x="0" y="0"/>
-          <a:ext cx="0" cy="0"/>
-          <a:chOff x="0" y="0"/>
-          <a:chExt cx="0" cy="0"/>
-        </a:xfrm>
-      </p:grpSpPr>
-      <p:sp>
-        <p:nvSpPr>
-          <p:cNvPr id="2" name="Title 1"/>
-          <p:cNvSpPr>
-            <a:spLocks noGrp="1"/>
-          </p:cNvSpPr>
-          <p:nvPr>
-            <p:ph type="title"/>
-          </p:nvPr>
-        </p:nvSpPr>
-        <p:spPr/>
-        <p:txBody>
-          <a:bodyPr/>
-          <a:lstStyle/>
-          <a:p>
-            <a:r>
-              <a:rPr lang="en-US" dirty="0" err="1" smtClean="0"/>
-              <a:t>SciKit</a:t>
-            </a:r>
-            <a:r>
-              <a:rPr lang="en-US" dirty="0" smtClean="0"/>
-              <a:t> Learn</a:t>
-            </a:r>
-            <a:endParaRPr lang="he-IL" dirty="0"/>
-          </a:p>
-        </p:txBody>
-      </p:sp>
-      <p:sp>
-        <p:nvSpPr>
-          <p:cNvPr id="3" name="Content Placeholder 2"/>
-          <p:cNvSpPr>
-            <a:spLocks noGrp="1"/>
-          </p:cNvSpPr>
-          <p:nvPr>
-            <p:ph idx="1"/>
-          </p:nvPr>
-        </p:nvSpPr>
-        <p:spPr/>
-        <p:txBody>
-          <a:bodyPr>
-            <a:normAutofit/>
-          </a:bodyPr>
-          <a:lstStyle/>
-          <a:p>
-            <a:pPr marL="457200" indent="-457200">
-              <a:buFont typeface="+mj-lt"/>
-              <a:buAutoNum type="arabicPeriod"/>
-            </a:pPr>
-            <a:r>
-              <a:rPr lang="en-US" dirty="0" smtClean="0"/>
-              <a:t>Most popular ML library on Python</a:t>
-            </a:r>
-          </a:p>
-          <a:p>
-            <a:pPr marL="457200" indent="-457200">
-              <a:buFont typeface="+mj-lt"/>
-              <a:buAutoNum type="arabicPeriod"/>
-            </a:pPr>
-            <a:r>
-              <a:rPr lang="en-US" dirty="0" smtClean="0"/>
-              <a:t>Many algorithms</a:t>
-            </a:r>
-          </a:p>
-          <a:p>
-            <a:pPr marL="457200" indent="-457200">
-              <a:buFont typeface="+mj-lt"/>
-              <a:buAutoNum type="arabicPeriod"/>
-            </a:pPr>
-            <a:r>
-              <a:rPr lang="en-US" dirty="0" smtClean="0"/>
-              <a:t>Clean &amp; uniform API</a:t>
-            </a:r>
-          </a:p>
-          <a:p>
-            <a:pPr marL="457200" indent="-457200">
-              <a:buFont typeface="+mj-lt"/>
-              <a:buAutoNum type="arabicPeriod"/>
-            </a:pPr>
-            <a:r>
-              <a:rPr lang="en-US" dirty="0" smtClean="0"/>
-              <a:t>Features matrix – rows are observations, columns are features</a:t>
-            </a:r>
-          </a:p>
-          <a:p>
-            <a:pPr marL="457200" indent="-457200">
-              <a:buFont typeface="+mj-lt"/>
-              <a:buAutoNum type="arabicPeriod"/>
-            </a:pPr>
-            <a:r>
-              <a:rPr lang="en-US" dirty="0" smtClean="0"/>
-              <a:t>Target array</a:t>
-            </a:r>
-            <a:endParaRPr lang="en-US" dirty="0"/>
-          </a:p>
-          <a:p>
-            <a:pPr marL="457200" indent="-457200">
-              <a:buFont typeface="+mj-lt"/>
-              <a:buAutoNum type="arabicPeriod"/>
-            </a:pPr>
-            <a:r>
-              <a:rPr lang="en-US" dirty="0" smtClean="0"/>
-              <a:t>Consistent </a:t>
-            </a:r>
-            <a:r>
-              <a:rPr lang="en-US" dirty="0"/>
-              <a:t>structure, uses an </a:t>
-            </a:r>
-            <a:r>
-              <a:rPr lang="en-US" i="1" dirty="0">
-                <a:solidFill>
-                  <a:schemeClr val="bg1">
-                    <a:lumMod val="50000"/>
-                  </a:schemeClr>
-                </a:solidFill>
-              </a:rPr>
-              <a:t>estimator</a:t>
-            </a:r>
-            <a:r>
-              <a:rPr lang="en-US" dirty="0">
-                <a:solidFill>
-                  <a:schemeClr val="bg1">
-                    <a:lumMod val="50000"/>
-                  </a:schemeClr>
-                </a:solidFill>
-              </a:rPr>
-              <a:t> </a:t>
-            </a:r>
-            <a:r>
-              <a:rPr lang="en-US" dirty="0"/>
-              <a:t>object with methods </a:t>
-            </a:r>
-            <a:r>
-              <a:rPr lang="en-US" i="1" dirty="0">
-                <a:solidFill>
-                  <a:schemeClr val="bg1">
-                    <a:lumMod val="50000"/>
-                  </a:schemeClr>
-                </a:solidFill>
-              </a:rPr>
-              <a:t>fit</a:t>
-            </a:r>
-            <a:r>
-              <a:rPr lang="en-US" dirty="0"/>
-              <a:t>, </a:t>
-            </a:r>
-            <a:r>
-              <a:rPr lang="en-US" i="1" dirty="0">
-                <a:solidFill>
-                  <a:schemeClr val="bg1">
-                    <a:lumMod val="50000"/>
-                  </a:schemeClr>
-                </a:solidFill>
-              </a:rPr>
-              <a:t>predict</a:t>
-            </a:r>
-            <a:r>
-              <a:rPr lang="en-US" dirty="0"/>
-              <a:t>, </a:t>
-            </a:r>
-            <a:r>
-              <a:rPr lang="en-US" i="1" dirty="0" smtClean="0">
-                <a:solidFill>
-                  <a:schemeClr val="bg1">
-                    <a:lumMod val="50000"/>
-                  </a:schemeClr>
-                </a:solidFill>
-              </a:rPr>
-              <a:t>score</a:t>
-            </a:r>
-          </a:p>
-          <a:p>
-            <a:pPr marL="457200" indent="-457200">
-              <a:buFont typeface="+mj-lt"/>
-              <a:buAutoNum type="arabicPeriod"/>
-            </a:pPr>
-            <a:r>
-              <a:rPr lang="en-US" dirty="0" smtClean="0"/>
-              <a:t>Sensible defaults for each algorithm</a:t>
-            </a:r>
-          </a:p>
-          <a:p>
-            <a:endParaRPr lang="en-US" dirty="0"/>
-          </a:p>
-        </p:txBody>
-      </p:sp>
-    </p:spTree>
-    <p:extLst>
-      <p:ext uri="{BB962C8B-B14F-4D97-AF65-F5344CB8AC3E}">
-        <p14:creationId xmlns:p14="http://schemas.microsoft.com/office/powerpoint/2010/main" val="2181439270"/>
-      </p:ext>
-    </p:extLst>
-  </p:cSld>
-  <p:clrMapOvr>
-    <a:masterClrMapping/>
-  </p:clrMapOvr>
-  <mc:AlternateContent xmlns:mc="http://schemas.openxmlformats.org/markup-compatibility/2006" xmlns:p14="http://schemas.microsoft.com/office/powerpoint/2010/main">
-    <mc:Choice Requires="p14">
-      <p:transition spd="med" p14:dur="700">
-        <p:fade/>
-      </p:transition>
-    </mc:Choice>
-    <mc:Fallback xmlns="">
-      <p:transition spd="med">
-        <p:fade/>
-      </p:transition>
-    </mc:Fallback>
-  </mc:AlternateContent>
-  <p:timing>
-    <p:tnLst>
-      <p:par>
-        <p:cTn id="1" dur="indefinite" restart="never" nodeType="tmRoot"/>
-      </p:par>
-    </p:tnLst>
-  </p:timing>
-</p:sld>
-</file>
-
-<file path=ppt/slides/slide30.xml><?xml version="1.0" encoding="utf-8"?>
+<file path=ppt/slides/slide32.xml><?xml version="1.0" encoding="utf-8"?>
 <p:sld xmlns:a="http://schemas.openxmlformats.org/drawingml/2006/main" xmlns:r="http://schemas.openxmlformats.org/officeDocument/2006/relationships" xmlns:p="http://schemas.openxmlformats.org/presentationml/2006/main">
   <p:cSld>
     <p:spTree>
@@ -10107,7 +10368,7 @@
 </p:sld>
 </file>
 
-<file path=ppt/slides/slide31.xml><?xml version="1.0" encoding="utf-8"?>
+<file path=ppt/slides/slide33.xml><?xml version="1.0" encoding="utf-8"?>
 <p:sld xmlns:a="http://schemas.openxmlformats.org/drawingml/2006/main" xmlns:r="http://schemas.openxmlformats.org/officeDocument/2006/relationships" xmlns:p="http://schemas.openxmlformats.org/presentationml/2006/main">
   <p:cSld>
     <p:spTree>
@@ -13419,7 +13680,7 @@
 </p:sld>
 </file>
 
-<file path=ppt/slides/slide32.xml><?xml version="1.0" encoding="utf-8"?>
+<file path=ppt/slides/slide34.xml><?xml version="1.0" encoding="utf-8"?>
 <p:sld xmlns:a="http://schemas.openxmlformats.org/drawingml/2006/main" xmlns:r="http://schemas.openxmlformats.org/officeDocument/2006/relationships" xmlns:p="http://schemas.openxmlformats.org/presentationml/2006/main">
   <p:cSld>
     <p:spTree>
@@ -16435,7 +16696,7 @@
 </p:sld>
 </file>
 
-<file path=ppt/slides/slide33.xml><?xml version="1.0" encoding="utf-8"?>
+<file path=ppt/slides/slide35.xml><?xml version="1.0" encoding="utf-8"?>
 <p:sld xmlns:a="http://schemas.openxmlformats.org/drawingml/2006/main" xmlns:r="http://schemas.openxmlformats.org/officeDocument/2006/relationships" xmlns:p="http://schemas.openxmlformats.org/presentationml/2006/main" show="0">
   <p:cSld>
     <p:spTree>
@@ -16858,11 +17119,11 @@
   <p:clrMapOvr>
     <a:masterClrMapping/>
   </p:clrMapOvr>
-  <mc:AlternateContent xmlns:mc="http://schemas.openxmlformats.org/markup-compatibility/2006">
-    <mc:Choice xmlns:p14="http://schemas.microsoft.com/office/powerpoint/2010/main" Requires="p14">
+  <mc:AlternateContent xmlns:mc="http://schemas.openxmlformats.org/markup-compatibility/2006" xmlns:p14="http://schemas.microsoft.com/office/powerpoint/2010/main">
+    <mc:Choice Requires="p14">
       <p:transition spd="slow" p14:dur="2000"/>
     </mc:Choice>
-    <mc:Fallback>
+    <mc:Fallback xmlns="">
       <p:transition spd="slow"/>
     </mc:Fallback>
   </mc:AlternateContent>
